--- a/Slides/00-Welcome.pptx
+++ b/Slides/00-Welcome.pptx
@@ -213,7 +213,7 @@
           <a:p>
             <a:fld id="{83DEBBD1-6077-4938-811F-54E4AC433829}" type="datetimeFigureOut">
               <a:rPr lang="en-GB" smtClean="0"/>
-              <a:t>01/08/2023</a:t>
+              <a:t>20/02/2025</a:t>
             </a:fld>
             <a:endParaRPr lang="en-GB"/>
           </a:p>
@@ -2616,7 +2616,7 @@
           <a:p>
             <a:fld id="{128B0A6C-EF38-9441-ADBF-8FE45FA6C46E}" type="datetimeFigureOut">
               <a:rPr lang="en-US" smtClean="0"/>
-              <a:t>8/1/2023</a:t>
+              <a:t>2/20/2025</a:t>
             </a:fld>
             <a:endParaRPr lang="en-US"/>
           </a:p>
@@ -3053,7 +3053,12 @@
             <p:ph type="subTitle" idx="1"/>
           </p:nvPr>
         </p:nvSpPr>
-        <p:spPr/>
+        <p:spPr>
+          <a:xfrm>
+            <a:off x="1832965" y="1241735"/>
+            <a:ext cx="6233685" cy="1594933"/>
+          </a:xfrm>
+        </p:spPr>
         <p:txBody>
           <a:bodyPr>
             <a:normAutofit/>
@@ -3066,7 +3071,11 @@
               </a:tabLst>
             </a:pPr>
             <a:r>
-              <a:rPr lang="en-GB" b="1" dirty="0"/>
+              <a:rPr lang="en-GB" b="1" dirty="0">
+                <a:solidFill>
+                  <a:srgbClr val="005B70"/>
+                </a:solidFill>
+              </a:rPr>
               <a:t>TypeScript in 4 Hours</a:t>
             </a:r>
           </a:p>
@@ -3076,49 +3085,44 @@
                 <a:tab pos="446088" algn="l"/>
               </a:tabLst>
             </a:pPr>
-            <a:r>
-              <a:rPr lang="en-GB" dirty="0">
-                <a:hlinkClick r:id="rId3"/>
+            <a:endParaRPr lang="en-GB" sz="700" dirty="0">
+              <a:solidFill>
+                <a:srgbClr val="005B70"/>
+              </a:solidFill>
+            </a:endParaRPr>
+          </a:p>
+          <a:p>
+            <a:pPr marL="55563" indent="0">
+              <a:tabLst>
+                <a:tab pos="446088" algn="l"/>
+              </a:tabLst>
+            </a:pPr>
+            <a:r>
+              <a:rPr lang="en-GB" sz="2000" dirty="0">
+                <a:solidFill>
+                  <a:srgbClr val="005B70"/>
+                </a:solidFill>
               </a:rPr>
               <a:t>https://olsensoft.com/typescript</a:t>
             </a:r>
-            <a:r>
-              <a:rPr lang="en-GB" dirty="0"/>
-              <a:t> </a:t>
+          </a:p>
+          <a:p>
+            <a:pPr marL="55563" indent="0">
+              <a:tabLst>
+                <a:tab pos="446088" algn="l"/>
+              </a:tabLst>
+            </a:pPr>
+            <a:r>
+              <a:rPr lang="en-GB" sz="2000" dirty="0">
+                <a:solidFill>
+                  <a:srgbClr val="005B70"/>
+                </a:solidFill>
+              </a:rPr>
+              <a:t>https://github.com/andyolsen/typescript  </a:t>
             </a:r>
           </a:p>
         </p:txBody>
       </p:sp>
-      <p:pic>
-        <p:nvPicPr>
-          <p:cNvPr id="10" name="Picture Placeholder 9">
-            <a:extLst>
-              <a:ext uri="{FF2B5EF4-FFF2-40B4-BE49-F238E27FC236}">
-                <a16:creationId xmlns:a16="http://schemas.microsoft.com/office/drawing/2014/main" id="{A8F93B79-2C91-18FE-DDDE-A65F37D6C73B}"/>
-              </a:ext>
-            </a:extLst>
-          </p:cNvPr>
-          <p:cNvPicPr>
-            <a:picLocks noGrp="1" noChangeAspect="1"/>
-          </p:cNvPicPr>
-          <p:nvPr>
-            <p:ph type="pic" sz="quarter" idx="10"/>
-          </p:nvPr>
-        </p:nvPicPr>
-        <p:blipFill>
-          <a:blip r:embed="rId4"/>
-          <a:srcRect l="6998" r="6998"/>
-          <a:stretch>
-            <a:fillRect/>
-          </a:stretch>
-        </p:blipFill>
-        <p:spPr>
-          <a:xfrm>
-            <a:off x="1791231" y="3008480"/>
-            <a:ext cx="1082691" cy="1368144"/>
-          </a:xfrm>
-        </p:spPr>
-      </p:pic>
       <p:sp>
         <p:nvSpPr>
           <p:cNvPr id="4" name="Text Placeholder 3">
@@ -3146,30 +3150,94 @@
           <a:lstStyle/>
           <a:p>
             <a:r>
-              <a:rPr lang="en-GB" dirty="0"/>
+              <a:rPr lang="en-GB" dirty="0">
+                <a:solidFill>
+                  <a:srgbClr val="005B70"/>
+                </a:solidFill>
+              </a:rPr>
               <a:t>Andy Olsen</a:t>
             </a:r>
           </a:p>
           <a:p>
-            <a:endParaRPr lang="en-GB" sz="800" dirty="0"/>
-          </a:p>
-          <a:p>
-            <a:r>
-              <a:rPr lang="en-GB" dirty="0"/>
+            <a:endParaRPr lang="en-GB" sz="800" dirty="0">
+              <a:solidFill>
+                <a:srgbClr val="005B70"/>
+              </a:solidFill>
+            </a:endParaRPr>
+          </a:p>
+          <a:p>
+            <a:r>
+              <a:rPr lang="en-GB" b="0" dirty="0">
+                <a:solidFill>
+                  <a:srgbClr val="005B70"/>
+                </a:solidFill>
+              </a:rPr>
               <a:t>andyo@olsensoft.com</a:t>
             </a:r>
           </a:p>
           <a:p>
-            <a:endParaRPr lang="en-GB" dirty="0"/>
-          </a:p>
-          <a:p>
-            <a:endParaRPr lang="en-GB" dirty="0"/>
-          </a:p>
-          <a:p>
-            <a:endParaRPr lang="en-GB" dirty="0"/>
+            <a:endParaRPr lang="en-GB" dirty="0">
+              <a:solidFill>
+                <a:srgbClr val="005B70"/>
+              </a:solidFill>
+            </a:endParaRPr>
+          </a:p>
+          <a:p>
+            <a:endParaRPr lang="en-GB" dirty="0">
+              <a:solidFill>
+                <a:srgbClr val="005B70"/>
+              </a:solidFill>
+            </a:endParaRPr>
+          </a:p>
+          <a:p>
+            <a:endParaRPr lang="en-GB" dirty="0">
+              <a:solidFill>
+                <a:srgbClr val="005B70"/>
+              </a:solidFill>
+            </a:endParaRPr>
           </a:p>
         </p:txBody>
       </p:sp>
+      <p:pic>
+        <p:nvPicPr>
+          <p:cNvPr id="5" name="Picture Placeholder 6">
+            <a:extLst>
+              <a:ext uri="{FF2B5EF4-FFF2-40B4-BE49-F238E27FC236}">
+                <a16:creationId xmlns:a16="http://schemas.microsoft.com/office/drawing/2014/main" id="{3C4B75DC-050D-16AB-4093-2F7E2A34A308}"/>
+              </a:ext>
+            </a:extLst>
+          </p:cNvPr>
+          <p:cNvPicPr>
+            <a:picLocks noGrp="1" noChangeAspect="1"/>
+          </p:cNvPicPr>
+          <p:nvPr>
+            <p:ph type="pic" sz="quarter" idx="10"/>
+          </p:nvPr>
+        </p:nvPicPr>
+        <p:blipFill>
+          <a:blip r:embed="rId3"/>
+          <a:srcRect l="5324" r="5324"/>
+          <a:stretch>
+            <a:fillRect/>
+          </a:stretch>
+        </p:blipFill>
+        <p:spPr>
+          <a:xfrm>
+            <a:off x="1990725" y="3071813"/>
+            <a:ext cx="925513" cy="1168400"/>
+          </a:xfrm>
+          <a:prstGeom prst="rect">
+            <a:avLst/>
+          </a:prstGeom>
+          <a:effectLst>
+            <a:outerShdw blurRad="50800" dist="38100" dir="5400000" algn="t" rotWithShape="0">
+              <a:prstClr val="black">
+                <a:alpha val="40000"/>
+              </a:prstClr>
+            </a:outerShdw>
+          </a:effectLst>
+        </p:spPr>
+      </p:pic>
     </p:spTree>
     <p:extLst>
       <p:ext uri="{BB962C8B-B14F-4D97-AF65-F5344CB8AC3E}">
